--- a/new_SE401/Lectures/2-Software Quality/Software Quality.pptx
+++ b/new_SE401/Lectures/2-Software Quality/Software Quality.pptx
@@ -280,7 +280,7 @@
           <a:p>
             <a:fld id="{896CE679-8766-4D2C-81C4-EAA942CBD6B0}" type="datetimeFigureOut">
               <a:rPr lang="en-US" smtClean="0"/>
-              <a:t>10/18/2021</a:t>
+              <a:t>11/28/2021</a:t>
             </a:fld>
             <a:endParaRPr lang="en-US"/>
           </a:p>
@@ -598,14 +598,14 @@
           <a:ln/>
           <a:extLst>
             <a:ext uri="{909E8E84-426E-40dd-AFC4-6F175D3DCCD1}">
-              <a14:hiddenFill xmlns="" xmlns:a14="http://schemas.microsoft.com/office/drawing/2010/main">
+              <a14:hiddenFill xmlns:a14="http://schemas.microsoft.com/office/drawing/2010/main" xmlns="">
                 <a:solidFill>
                   <a:srgbClr val="FFFFFF"/>
                 </a:solidFill>
               </a14:hiddenFill>
             </a:ext>
             <a:ext uri="{91240B29-F687-4f45-9708-019B960494DF}">
-              <a14:hiddenLine xmlns="" xmlns:a14="http://schemas.microsoft.com/office/drawing/2010/main" w="9525">
+              <a14:hiddenLine xmlns:a14="http://schemas.microsoft.com/office/drawing/2010/main" xmlns="" w="9525">
                 <a:solidFill>
                   <a:srgbClr val="000000"/>
                 </a:solidFill>
@@ -615,7 +615,7 @@
               </a14:hiddenLine>
             </a:ext>
             <a:ext uri="{FAA26D3D-D897-4be2-8F04-BA451C77F1D7}">
-              <ma14:placeholderFlag xmlns="" xmlns:ma14="http://schemas.microsoft.com/office/mac/drawingml/2011/main" val="1"/>
+              <ma14:placeholderFlag xmlns:ma14="http://schemas.microsoft.com/office/mac/drawingml/2011/main" xmlns="" val="1"/>
             </a:ext>
           </a:extLst>
         </p:spPr>
@@ -645,14 +645,14 @@
           <a:ln/>
           <a:extLst>
             <a:ext uri="{909E8E84-426E-40dd-AFC4-6F175D3DCCD1}">
-              <a14:hiddenFill xmlns="" xmlns:a14="http://schemas.microsoft.com/office/drawing/2010/main">
+              <a14:hiddenFill xmlns:a14="http://schemas.microsoft.com/office/drawing/2010/main" xmlns="">
                 <a:solidFill>
                   <a:srgbClr val="FFFFFF"/>
                 </a:solidFill>
               </a14:hiddenFill>
             </a:ext>
             <a:ext uri="{91240B29-F687-4f45-9708-019B960494DF}">
-              <a14:hiddenLine xmlns="" xmlns:a14="http://schemas.microsoft.com/office/drawing/2010/main" w="9525">
+              <a14:hiddenLine xmlns:a14="http://schemas.microsoft.com/office/drawing/2010/main" xmlns="" w="9525">
                 <a:solidFill>
                   <a:srgbClr val="000000"/>
                 </a:solidFill>
@@ -805,14 +805,14 @@
           <a:ln/>
           <a:extLst>
             <a:ext uri="{909E8E84-426E-40dd-AFC4-6F175D3DCCD1}">
-              <a14:hiddenFill xmlns="" xmlns:a14="http://schemas.microsoft.com/office/drawing/2010/main">
+              <a14:hiddenFill xmlns:a14="http://schemas.microsoft.com/office/drawing/2010/main" xmlns="">
                 <a:solidFill>
                   <a:srgbClr val="FFFFFF"/>
                 </a:solidFill>
               </a14:hiddenFill>
             </a:ext>
             <a:ext uri="{91240B29-F687-4f45-9708-019B960494DF}">
-              <a14:hiddenLine xmlns="" xmlns:a14="http://schemas.microsoft.com/office/drawing/2010/main" w="9525">
+              <a14:hiddenLine xmlns:a14="http://schemas.microsoft.com/office/drawing/2010/main" xmlns="" w="9525">
                 <a:solidFill>
                   <a:srgbClr val="000000"/>
                 </a:solidFill>
@@ -965,14 +965,14 @@
           <a:ln/>
           <a:extLst>
             <a:ext uri="{909E8E84-426E-40dd-AFC4-6F175D3DCCD1}">
-              <a14:hiddenFill xmlns="" xmlns:a14="http://schemas.microsoft.com/office/drawing/2010/main">
+              <a14:hiddenFill xmlns:a14="http://schemas.microsoft.com/office/drawing/2010/main" xmlns="">
                 <a:solidFill>
                   <a:srgbClr val="FFFFFF"/>
                 </a:solidFill>
               </a14:hiddenFill>
             </a:ext>
             <a:ext uri="{91240B29-F687-4f45-9708-019B960494DF}">
-              <a14:hiddenLine xmlns="" xmlns:a14="http://schemas.microsoft.com/office/drawing/2010/main" w="9525">
+              <a14:hiddenLine xmlns:a14="http://schemas.microsoft.com/office/drawing/2010/main" xmlns="" w="9525">
                 <a:solidFill>
                   <a:srgbClr val="000000"/>
                 </a:solidFill>
@@ -1199,14 +1199,14 @@
           </a:ln>
           <a:extLst>
             <a:ext uri="{909E8E84-426E-40dd-AFC4-6F175D3DCCD1}">
-              <a14:hiddenFill xmlns="" xmlns:a14="http://schemas.microsoft.com/office/drawing/2010/main">
+              <a14:hiddenFill xmlns:a14="http://schemas.microsoft.com/office/drawing/2010/main" xmlns="">
                 <a:solidFill>
                   <a:srgbClr val="FFFFFF"/>
                 </a:solidFill>
               </a14:hiddenFill>
             </a:ext>
             <a:ext uri="{FAA26D3D-D897-4be2-8F04-BA451C77F1D7}">
-              <ma14:placeholderFlag xmlns="" xmlns:ma14="http://schemas.microsoft.com/office/mac/drawingml/2011/main" val="1"/>
+              <ma14:placeholderFlag xmlns:ma14="http://schemas.microsoft.com/office/mac/drawingml/2011/main" xmlns="" val="1"/>
             </a:ext>
           </a:extLst>
         </p:spPr>
@@ -1225,14 +1225,14 @@
           <a:noFill/>
           <a:extLst>
             <a:ext uri="{909E8E84-426E-40dd-AFC4-6F175D3DCCD1}">
-              <a14:hiddenFill xmlns="" xmlns:a14="http://schemas.microsoft.com/office/drawing/2010/main">
+              <a14:hiddenFill xmlns:a14="http://schemas.microsoft.com/office/drawing/2010/main" xmlns="">
                 <a:solidFill>
                   <a:srgbClr val="FFFFFF"/>
                 </a:solidFill>
               </a14:hiddenFill>
             </a:ext>
             <a:ext uri="{91240B29-F687-4f45-9708-019B960494DF}">
-              <a14:hiddenLine xmlns="" xmlns:a14="http://schemas.microsoft.com/office/drawing/2010/main" w="9525">
+              <a14:hiddenLine xmlns:a14="http://schemas.microsoft.com/office/drawing/2010/main" xmlns="" w="9525">
                 <a:solidFill>
                   <a:srgbClr val="000000"/>
                 </a:solidFill>
@@ -1242,7 +1242,7 @@
               </a14:hiddenLine>
             </a:ext>
             <a:ext uri="{FAA26D3D-D897-4be2-8F04-BA451C77F1D7}">
-              <ma14:placeholderFlag xmlns="" xmlns:ma14="http://schemas.microsoft.com/office/mac/drawingml/2011/main" val="1"/>
+              <ma14:placeholderFlag xmlns:ma14="http://schemas.microsoft.com/office/mac/drawingml/2011/main" xmlns="" val="1"/>
             </a:ext>
           </a:extLst>
         </p:spPr>
@@ -1342,14 +1342,14 @@
           <a:ln/>
           <a:extLst>
             <a:ext uri="{909E8E84-426E-40dd-AFC4-6F175D3DCCD1}">
-              <a14:hiddenFill xmlns="" xmlns:a14="http://schemas.microsoft.com/office/drawing/2010/main">
+              <a14:hiddenFill xmlns:a14="http://schemas.microsoft.com/office/drawing/2010/main" xmlns="">
                 <a:solidFill>
                   <a:srgbClr val="FFFFFF"/>
                 </a:solidFill>
               </a14:hiddenFill>
             </a:ext>
             <a:ext uri="{91240B29-F687-4f45-9708-019B960494DF}">
-              <a14:hiddenLine xmlns="" xmlns:a14="http://schemas.microsoft.com/office/drawing/2010/main" w="9525">
+              <a14:hiddenLine xmlns:a14="http://schemas.microsoft.com/office/drawing/2010/main" xmlns="" w="9525">
                 <a:solidFill>
                   <a:srgbClr val="000000"/>
                 </a:solidFill>
@@ -1359,7 +1359,7 @@
               </a14:hiddenLine>
             </a:ext>
             <a:ext uri="{FAA26D3D-D897-4be2-8F04-BA451C77F1D7}">
-              <ma14:placeholderFlag xmlns="" xmlns:ma14="http://schemas.microsoft.com/office/mac/drawingml/2011/main" val="1"/>
+              <ma14:placeholderFlag xmlns:ma14="http://schemas.microsoft.com/office/mac/drawingml/2011/main" xmlns="" val="1"/>
             </a:ext>
           </a:extLst>
         </p:spPr>
@@ -1404,14 +1404,14 @@
           <a:ln/>
           <a:extLst>
             <a:ext uri="{909E8E84-426E-40dd-AFC4-6F175D3DCCD1}">
-              <a14:hiddenFill xmlns="" xmlns:a14="http://schemas.microsoft.com/office/drawing/2010/main">
+              <a14:hiddenFill xmlns:a14="http://schemas.microsoft.com/office/drawing/2010/main" xmlns="">
                 <a:solidFill>
                   <a:srgbClr val="FFFFFF"/>
                 </a:solidFill>
               </a14:hiddenFill>
             </a:ext>
             <a:ext uri="{91240B29-F687-4f45-9708-019B960494DF}">
-              <a14:hiddenLine xmlns="" xmlns:a14="http://schemas.microsoft.com/office/drawing/2010/main" w="9525">
+              <a14:hiddenLine xmlns:a14="http://schemas.microsoft.com/office/drawing/2010/main" xmlns="" w="9525">
                 <a:solidFill>
                   <a:srgbClr val="000000"/>
                 </a:solidFill>
@@ -1556,14 +1556,14 @@
           <a:ln/>
           <a:extLst>
             <a:ext uri="{909E8E84-426E-40dd-AFC4-6F175D3DCCD1}">
-              <a14:hiddenFill xmlns="" xmlns:a14="http://schemas.microsoft.com/office/drawing/2010/main">
+              <a14:hiddenFill xmlns:a14="http://schemas.microsoft.com/office/drawing/2010/main" xmlns="">
                 <a:solidFill>
                   <a:srgbClr val="FFFFFF"/>
                 </a:solidFill>
               </a14:hiddenFill>
             </a:ext>
             <a:ext uri="{91240B29-F687-4f45-9708-019B960494DF}">
-              <a14:hiddenLine xmlns="" xmlns:a14="http://schemas.microsoft.com/office/drawing/2010/main" w="9525">
+              <a14:hiddenLine xmlns:a14="http://schemas.microsoft.com/office/drawing/2010/main" xmlns="" w="9525">
                 <a:solidFill>
                   <a:srgbClr val="000000"/>
                 </a:solidFill>
@@ -1707,14 +1707,14 @@
           <a:ln/>
           <a:extLst>
             <a:ext uri="{909E8E84-426E-40dd-AFC4-6F175D3DCCD1}">
-              <a14:hiddenFill xmlns="" xmlns:a14="http://schemas.microsoft.com/office/drawing/2010/main">
+              <a14:hiddenFill xmlns:a14="http://schemas.microsoft.com/office/drawing/2010/main" xmlns="">
                 <a:solidFill>
                   <a:srgbClr val="FFFFFF"/>
                 </a:solidFill>
               </a14:hiddenFill>
             </a:ext>
             <a:ext uri="{91240B29-F687-4f45-9708-019B960494DF}">
-              <a14:hiddenLine xmlns="" xmlns:a14="http://schemas.microsoft.com/office/drawing/2010/main" w="9525">
+              <a14:hiddenLine xmlns:a14="http://schemas.microsoft.com/office/drawing/2010/main" xmlns="" w="9525">
                 <a:solidFill>
                   <a:srgbClr val="000000"/>
                 </a:solidFill>
@@ -1926,14 +1926,14 @@
           <a:ln/>
           <a:extLst>
             <a:ext uri="{909E8E84-426E-40dd-AFC4-6F175D3DCCD1}">
-              <a14:hiddenFill xmlns="" xmlns:a14="http://schemas.microsoft.com/office/drawing/2010/main">
+              <a14:hiddenFill xmlns:a14="http://schemas.microsoft.com/office/drawing/2010/main" xmlns="">
                 <a:solidFill>
                   <a:srgbClr val="FFFFFF"/>
                 </a:solidFill>
               </a14:hiddenFill>
             </a:ext>
             <a:ext uri="{91240B29-F687-4f45-9708-019B960494DF}">
-              <a14:hiddenLine xmlns="" xmlns:a14="http://schemas.microsoft.com/office/drawing/2010/main" w="9525">
+              <a14:hiddenLine xmlns:a14="http://schemas.microsoft.com/office/drawing/2010/main" xmlns="" w="9525">
                 <a:solidFill>
                   <a:srgbClr val="000000"/>
                 </a:solidFill>
@@ -1943,7 +1943,7 @@
               </a14:hiddenLine>
             </a:ext>
             <a:ext uri="{FAA26D3D-D897-4be2-8F04-BA451C77F1D7}">
-              <ma14:placeholderFlag xmlns="" xmlns:ma14="http://schemas.microsoft.com/office/mac/drawingml/2011/main" val="1"/>
+              <ma14:placeholderFlag xmlns:ma14="http://schemas.microsoft.com/office/mac/drawingml/2011/main" xmlns="" val="1"/>
             </a:ext>
           </a:extLst>
         </p:spPr>
@@ -1992,14 +1992,14 @@
           <a:ln/>
           <a:extLst>
             <a:ext uri="{909E8E84-426E-40dd-AFC4-6F175D3DCCD1}">
-              <a14:hiddenFill xmlns="" xmlns:a14="http://schemas.microsoft.com/office/drawing/2010/main">
+              <a14:hiddenFill xmlns:a14="http://schemas.microsoft.com/office/drawing/2010/main" xmlns="">
                 <a:solidFill>
                   <a:srgbClr val="FFFFFF"/>
                 </a:solidFill>
               </a14:hiddenFill>
             </a:ext>
             <a:ext uri="{91240B29-F687-4f45-9708-019B960494DF}">
-              <a14:hiddenLine xmlns="" xmlns:a14="http://schemas.microsoft.com/office/drawing/2010/main" w="9525">
+              <a14:hiddenLine xmlns:a14="http://schemas.microsoft.com/office/drawing/2010/main" xmlns="" w="9525">
                 <a:solidFill>
                   <a:srgbClr val="000000"/>
                 </a:solidFill>
@@ -2144,14 +2144,14 @@
           <a:ln/>
           <a:extLst>
             <a:ext uri="{909E8E84-426E-40dd-AFC4-6F175D3DCCD1}">
-              <a14:hiddenFill xmlns="" xmlns:a14="http://schemas.microsoft.com/office/drawing/2010/main">
+              <a14:hiddenFill xmlns:a14="http://schemas.microsoft.com/office/drawing/2010/main" xmlns="">
                 <a:solidFill>
                   <a:srgbClr val="FFFFFF"/>
                 </a:solidFill>
               </a14:hiddenFill>
             </a:ext>
             <a:ext uri="{91240B29-F687-4f45-9708-019B960494DF}">
-              <a14:hiddenLine xmlns="" xmlns:a14="http://schemas.microsoft.com/office/drawing/2010/main" w="9525">
+              <a14:hiddenLine xmlns:a14="http://schemas.microsoft.com/office/drawing/2010/main" xmlns="" w="9525">
                 <a:solidFill>
                   <a:srgbClr val="000000"/>
                 </a:solidFill>
@@ -2295,14 +2295,14 @@
           <a:ln/>
           <a:extLst>
             <a:ext uri="{909E8E84-426E-40dd-AFC4-6F175D3DCCD1}">
-              <a14:hiddenFill xmlns="" xmlns:a14="http://schemas.microsoft.com/office/drawing/2010/main">
+              <a14:hiddenFill xmlns:a14="http://schemas.microsoft.com/office/drawing/2010/main" xmlns="">
                 <a:solidFill>
                   <a:srgbClr val="FFFFFF"/>
                 </a:solidFill>
               </a14:hiddenFill>
             </a:ext>
             <a:ext uri="{91240B29-F687-4f45-9708-019B960494DF}">
-              <a14:hiddenLine xmlns="" xmlns:a14="http://schemas.microsoft.com/office/drawing/2010/main" w="9525">
+              <a14:hiddenLine xmlns:a14="http://schemas.microsoft.com/office/drawing/2010/main" xmlns="" w="9525">
                 <a:solidFill>
                   <a:srgbClr val="000000"/>
                 </a:solidFill>
@@ -2532,14 +2532,14 @@
           <a:ln/>
           <a:extLst>
             <a:ext uri="{909E8E84-426E-40dd-AFC4-6F175D3DCCD1}">
-              <a14:hiddenFill xmlns="" xmlns:a14="http://schemas.microsoft.com/office/drawing/2010/main">
+              <a14:hiddenFill xmlns:a14="http://schemas.microsoft.com/office/drawing/2010/main" xmlns="">
                 <a:solidFill>
                   <a:srgbClr val="FFFFFF"/>
                 </a:solidFill>
               </a14:hiddenFill>
             </a:ext>
             <a:ext uri="{91240B29-F687-4f45-9708-019B960494DF}">
-              <a14:hiddenLine xmlns="" xmlns:a14="http://schemas.microsoft.com/office/drawing/2010/main" w="9525">
+              <a14:hiddenLine xmlns:a14="http://schemas.microsoft.com/office/drawing/2010/main" xmlns="" w="9525">
                 <a:solidFill>
                   <a:srgbClr val="000000"/>
                 </a:solidFill>
@@ -2582,14 +2582,14 @@
           <a:ln/>
           <a:extLst>
             <a:ext uri="{909E8E84-426E-40dd-AFC4-6F175D3DCCD1}">
-              <a14:hiddenFill xmlns="" xmlns:a14="http://schemas.microsoft.com/office/drawing/2010/main">
+              <a14:hiddenFill xmlns:a14="http://schemas.microsoft.com/office/drawing/2010/main" xmlns="">
                 <a:solidFill>
                   <a:srgbClr val="FFFFFF"/>
                 </a:solidFill>
               </a14:hiddenFill>
             </a:ext>
             <a:ext uri="{91240B29-F687-4f45-9708-019B960494DF}">
-              <a14:hiddenLine xmlns="" xmlns:a14="http://schemas.microsoft.com/office/drawing/2010/main" w="9525">
+              <a14:hiddenLine xmlns:a14="http://schemas.microsoft.com/office/drawing/2010/main" xmlns="" w="9525">
                 <a:solidFill>
                   <a:srgbClr val="000000"/>
                 </a:solidFill>
@@ -2734,14 +2734,14 @@
           <a:ln/>
           <a:extLst>
             <a:ext uri="{909E8E84-426E-40dd-AFC4-6F175D3DCCD1}">
-              <a14:hiddenFill xmlns="" xmlns:a14="http://schemas.microsoft.com/office/drawing/2010/main">
+              <a14:hiddenFill xmlns:a14="http://schemas.microsoft.com/office/drawing/2010/main" xmlns="">
                 <a:solidFill>
                   <a:srgbClr val="FFFFFF"/>
                 </a:solidFill>
               </a14:hiddenFill>
             </a:ext>
             <a:ext uri="{91240B29-F687-4f45-9708-019B960494DF}">
-              <a14:hiddenLine xmlns="" xmlns:a14="http://schemas.microsoft.com/office/drawing/2010/main" w="9525">
+              <a14:hiddenLine xmlns:a14="http://schemas.microsoft.com/office/drawing/2010/main" xmlns="" w="9525">
                 <a:solidFill>
                   <a:srgbClr val="000000"/>
                 </a:solidFill>
@@ -2886,14 +2886,14 @@
           <a:ln/>
           <a:extLst>
             <a:ext uri="{909E8E84-426E-40dd-AFC4-6F175D3DCCD1}">
-              <a14:hiddenFill xmlns="" xmlns:a14="http://schemas.microsoft.com/office/drawing/2010/main">
+              <a14:hiddenFill xmlns:a14="http://schemas.microsoft.com/office/drawing/2010/main" xmlns="">
                 <a:solidFill>
                   <a:srgbClr val="FFFFFF"/>
                 </a:solidFill>
               </a14:hiddenFill>
             </a:ext>
             <a:ext uri="{91240B29-F687-4f45-9708-019B960494DF}">
-              <a14:hiddenLine xmlns="" xmlns:a14="http://schemas.microsoft.com/office/drawing/2010/main" w="9525">
+              <a14:hiddenLine xmlns:a14="http://schemas.microsoft.com/office/drawing/2010/main" xmlns="" w="9525">
                 <a:solidFill>
                   <a:srgbClr val="000000"/>
                 </a:solidFill>
@@ -3112,14 +3112,14 @@
           </a:ln>
           <a:extLst>
             <a:ext uri="{909E8E84-426E-40dd-AFC4-6F175D3DCCD1}">
-              <a14:hiddenFill xmlns="" xmlns:a14="http://schemas.microsoft.com/office/drawing/2010/main">
+              <a14:hiddenFill xmlns:a14="http://schemas.microsoft.com/office/drawing/2010/main" xmlns="">
                 <a:solidFill>
                   <a:srgbClr val="FFFFFF"/>
                 </a:solidFill>
               </a14:hiddenFill>
             </a:ext>
             <a:ext uri="{FAA26D3D-D897-4be2-8F04-BA451C77F1D7}">
-              <ma14:placeholderFlag xmlns="" xmlns:ma14="http://schemas.microsoft.com/office/mac/drawingml/2011/main" val="1"/>
+              <ma14:placeholderFlag xmlns:ma14="http://schemas.microsoft.com/office/mac/drawingml/2011/main" xmlns="" val="1"/>
             </a:ext>
           </a:extLst>
         </p:spPr>
@@ -3138,14 +3138,14 @@
           <a:noFill/>
           <a:extLst>
             <a:ext uri="{909E8E84-426E-40dd-AFC4-6F175D3DCCD1}">
-              <a14:hiddenFill xmlns="" xmlns:a14="http://schemas.microsoft.com/office/drawing/2010/main">
+              <a14:hiddenFill xmlns:a14="http://schemas.microsoft.com/office/drawing/2010/main" xmlns="">
                 <a:solidFill>
                   <a:srgbClr val="FFFFFF"/>
                 </a:solidFill>
               </a14:hiddenFill>
             </a:ext>
             <a:ext uri="{91240B29-F687-4f45-9708-019B960494DF}">
-              <a14:hiddenLine xmlns="" xmlns:a14="http://schemas.microsoft.com/office/drawing/2010/main" w="9525">
+              <a14:hiddenLine xmlns:a14="http://schemas.microsoft.com/office/drawing/2010/main" xmlns="" w="9525">
                 <a:solidFill>
                   <a:srgbClr val="000000"/>
                 </a:solidFill>
@@ -3155,7 +3155,7 @@
               </a14:hiddenLine>
             </a:ext>
             <a:ext uri="{FAA26D3D-D897-4be2-8F04-BA451C77F1D7}">
-              <ma14:placeholderFlag xmlns="" xmlns:ma14="http://schemas.microsoft.com/office/mac/drawingml/2011/main" val="1"/>
+              <ma14:placeholderFlag xmlns:ma14="http://schemas.microsoft.com/office/mac/drawingml/2011/main" xmlns="" val="1"/>
             </a:ext>
           </a:extLst>
         </p:spPr>
@@ -3262,14 +3262,14 @@
           </a:ln>
           <a:extLst>
             <a:ext uri="{909E8E84-426E-40dd-AFC4-6F175D3DCCD1}">
-              <a14:hiddenFill xmlns="" xmlns:a14="http://schemas.microsoft.com/office/drawing/2010/main">
+              <a14:hiddenFill xmlns:a14="http://schemas.microsoft.com/office/drawing/2010/main" xmlns="">
                 <a:solidFill>
                   <a:srgbClr val="FFFFFF"/>
                 </a:solidFill>
               </a14:hiddenFill>
             </a:ext>
             <a:ext uri="{91240B29-F687-4f45-9708-019B960494DF}">
-              <a14:hiddenLine xmlns="" xmlns:a14="http://schemas.microsoft.com/office/drawing/2010/main" w="9525">
+              <a14:hiddenLine xmlns:a14="http://schemas.microsoft.com/office/drawing/2010/main" xmlns="" w="9525">
                 <a:solidFill>
                   <a:srgbClr val="000000"/>
                 </a:solidFill>
@@ -3431,14 +3431,14 @@
           </a:ln>
           <a:extLst>
             <a:ext uri="{909E8E84-426E-40dd-AFC4-6F175D3DCCD1}">
-              <a14:hiddenFill xmlns="" xmlns:a14="http://schemas.microsoft.com/office/drawing/2010/main">
+              <a14:hiddenFill xmlns:a14="http://schemas.microsoft.com/office/drawing/2010/main" xmlns="">
                 <a:solidFill>
                   <a:srgbClr val="FFFFFF"/>
                 </a:solidFill>
               </a14:hiddenFill>
             </a:ext>
             <a:ext uri="{FAA26D3D-D897-4be2-8F04-BA451C77F1D7}">
-              <ma14:placeholderFlag xmlns="" xmlns:ma14="http://schemas.microsoft.com/office/mac/drawingml/2011/main" val="1"/>
+              <ma14:placeholderFlag xmlns:ma14="http://schemas.microsoft.com/office/mac/drawingml/2011/main" xmlns="" val="1"/>
             </a:ext>
           </a:extLst>
         </p:spPr>
@@ -3487,14 +3487,14 @@
           </a:ln>
           <a:extLst>
             <a:ext uri="{909E8E84-426E-40dd-AFC4-6F175D3DCCD1}">
-              <a14:hiddenFill xmlns="" xmlns:a14="http://schemas.microsoft.com/office/drawing/2010/main">
+              <a14:hiddenFill xmlns:a14="http://schemas.microsoft.com/office/drawing/2010/main" xmlns="">
                 <a:solidFill>
                   <a:srgbClr val="FFFFFF"/>
                 </a:solidFill>
               </a14:hiddenFill>
             </a:ext>
             <a:ext uri="{FAA26D3D-D897-4be2-8F04-BA451C77F1D7}">
-              <ma14:placeholderFlag xmlns="" xmlns:ma14="http://schemas.microsoft.com/office/mac/drawingml/2011/main" val="1"/>
+              <ma14:placeholderFlag xmlns:ma14="http://schemas.microsoft.com/office/mac/drawingml/2011/main" xmlns="" val="1"/>
             </a:ext>
           </a:extLst>
         </p:spPr>
@@ -3676,14 +3676,14 @@
           </a:ln>
           <a:extLst>
             <a:ext uri="{909E8E84-426E-40dd-AFC4-6F175D3DCCD1}">
-              <a14:hiddenFill xmlns="" xmlns:a14="http://schemas.microsoft.com/office/drawing/2010/main">
+              <a14:hiddenFill xmlns:a14="http://schemas.microsoft.com/office/drawing/2010/main" xmlns="">
                 <a:solidFill>
                   <a:srgbClr val="FFFFFF"/>
                 </a:solidFill>
               </a14:hiddenFill>
             </a:ext>
             <a:ext uri="{FAA26D3D-D897-4be2-8F04-BA451C77F1D7}">
-              <ma14:placeholderFlag xmlns="" xmlns:ma14="http://schemas.microsoft.com/office/mac/drawingml/2011/main" val="1"/>
+              <ma14:placeholderFlag xmlns:ma14="http://schemas.microsoft.com/office/mac/drawingml/2011/main" xmlns="" val="1"/>
             </a:ext>
           </a:extLst>
         </p:spPr>
@@ -3714,14 +3714,14 @@
           </a:ln>
           <a:extLst>
             <a:ext uri="{909E8E84-426E-40dd-AFC4-6F175D3DCCD1}">
-              <a14:hiddenFill xmlns="" xmlns:a14="http://schemas.microsoft.com/office/drawing/2010/main">
+              <a14:hiddenFill xmlns:a14="http://schemas.microsoft.com/office/drawing/2010/main" xmlns="">
                 <a:solidFill>
                   <a:srgbClr val="FFFFFF"/>
                 </a:solidFill>
               </a14:hiddenFill>
             </a:ext>
             <a:ext uri="{FAA26D3D-D897-4be2-8F04-BA451C77F1D7}">
-              <ma14:placeholderFlag xmlns="" xmlns:ma14="http://schemas.microsoft.com/office/mac/drawingml/2011/main" val="1"/>
+              <ma14:placeholderFlag xmlns:ma14="http://schemas.microsoft.com/office/mac/drawingml/2011/main" xmlns="" val="1"/>
             </a:ext>
           </a:extLst>
         </p:spPr>
@@ -3829,14 +3829,14 @@
           </a:ln>
           <a:extLst>
             <a:ext uri="{909E8E84-426E-40dd-AFC4-6F175D3DCCD1}">
-              <a14:hiddenFill xmlns="" xmlns:a14="http://schemas.microsoft.com/office/drawing/2010/main">
+              <a14:hiddenFill xmlns:a14="http://schemas.microsoft.com/office/drawing/2010/main" xmlns="">
                 <a:solidFill>
                   <a:srgbClr val="FFFFFF"/>
                 </a:solidFill>
               </a14:hiddenFill>
             </a:ext>
             <a:ext uri="{FAA26D3D-D897-4be2-8F04-BA451C77F1D7}">
-              <ma14:placeholderFlag xmlns="" xmlns:ma14="http://schemas.microsoft.com/office/mac/drawingml/2011/main" val="1"/>
+              <ma14:placeholderFlag xmlns:ma14="http://schemas.microsoft.com/office/mac/drawingml/2011/main" xmlns="" val="1"/>
             </a:ext>
           </a:extLst>
         </p:spPr>
@@ -3855,14 +3855,14 @@
           <a:noFill/>
           <a:extLst>
             <a:ext uri="{909E8E84-426E-40dd-AFC4-6F175D3DCCD1}">
-              <a14:hiddenFill xmlns="" xmlns:a14="http://schemas.microsoft.com/office/drawing/2010/main">
+              <a14:hiddenFill xmlns:a14="http://schemas.microsoft.com/office/drawing/2010/main" xmlns="">
                 <a:solidFill>
                   <a:srgbClr val="FFFFFF"/>
                 </a:solidFill>
               </a14:hiddenFill>
             </a:ext>
             <a:ext uri="{91240B29-F687-4f45-9708-019B960494DF}">
-              <a14:hiddenLine xmlns="" xmlns:a14="http://schemas.microsoft.com/office/drawing/2010/main" w="9525">
+              <a14:hiddenLine xmlns:a14="http://schemas.microsoft.com/office/drawing/2010/main" xmlns="" w="9525">
                 <a:solidFill>
                   <a:srgbClr val="000000"/>
                 </a:solidFill>
@@ -3872,7 +3872,7 @@
               </a14:hiddenLine>
             </a:ext>
             <a:ext uri="{FAA26D3D-D897-4be2-8F04-BA451C77F1D7}">
-              <ma14:placeholderFlag xmlns="" xmlns:ma14="http://schemas.microsoft.com/office/mac/drawingml/2011/main" val="1"/>
+              <ma14:placeholderFlag xmlns:ma14="http://schemas.microsoft.com/office/mac/drawingml/2011/main" xmlns="" val="1"/>
             </a:ext>
           </a:extLst>
         </p:spPr>
@@ -3979,14 +3979,14 @@
           </a:ln>
           <a:extLst>
             <a:ext uri="{909E8E84-426E-40dd-AFC4-6F175D3DCCD1}">
-              <a14:hiddenFill xmlns="" xmlns:a14="http://schemas.microsoft.com/office/drawing/2010/main">
+              <a14:hiddenFill xmlns:a14="http://schemas.microsoft.com/office/drawing/2010/main" xmlns="">
                 <a:solidFill>
                   <a:srgbClr val="FFFFFF"/>
                 </a:solidFill>
               </a14:hiddenFill>
             </a:ext>
             <a:ext uri="{FAA26D3D-D897-4be2-8F04-BA451C77F1D7}">
-              <ma14:placeholderFlag xmlns="" xmlns:ma14="http://schemas.microsoft.com/office/mac/drawingml/2011/main" val="1"/>
+              <ma14:placeholderFlag xmlns:ma14="http://schemas.microsoft.com/office/mac/drawingml/2011/main" xmlns="" val="1"/>
             </a:ext>
           </a:extLst>
         </p:spPr>
@@ -4005,14 +4005,14 @@
           <a:noFill/>
           <a:extLst>
             <a:ext uri="{909E8E84-426E-40dd-AFC4-6F175D3DCCD1}">
-              <a14:hiddenFill xmlns="" xmlns:a14="http://schemas.microsoft.com/office/drawing/2010/main">
+              <a14:hiddenFill xmlns:a14="http://schemas.microsoft.com/office/drawing/2010/main" xmlns="">
                 <a:solidFill>
                   <a:srgbClr val="FFFFFF"/>
                 </a:solidFill>
               </a14:hiddenFill>
             </a:ext>
             <a:ext uri="{91240B29-F687-4f45-9708-019B960494DF}">
-              <a14:hiddenLine xmlns="" xmlns:a14="http://schemas.microsoft.com/office/drawing/2010/main" w="9525">
+              <a14:hiddenLine xmlns:a14="http://schemas.microsoft.com/office/drawing/2010/main" xmlns="" w="9525">
                 <a:solidFill>
                   <a:srgbClr val="000000"/>
                 </a:solidFill>
@@ -4022,7 +4022,7 @@
               </a14:hiddenLine>
             </a:ext>
             <a:ext uri="{FAA26D3D-D897-4be2-8F04-BA451C77F1D7}">
-              <ma14:placeholderFlag xmlns="" xmlns:ma14="http://schemas.microsoft.com/office/mac/drawingml/2011/main" val="1"/>
+              <ma14:placeholderFlag xmlns:ma14="http://schemas.microsoft.com/office/mac/drawingml/2011/main" xmlns="" val="1"/>
             </a:ext>
           </a:extLst>
         </p:spPr>
@@ -4136,14 +4136,14 @@
           <a:ln/>
           <a:extLst>
             <a:ext uri="{909E8E84-426E-40dd-AFC4-6F175D3DCCD1}">
-              <a14:hiddenFill xmlns="" xmlns:a14="http://schemas.microsoft.com/office/drawing/2010/main">
+              <a14:hiddenFill xmlns:a14="http://schemas.microsoft.com/office/drawing/2010/main" xmlns="">
                 <a:solidFill>
                   <a:srgbClr val="FFFFFF"/>
                 </a:solidFill>
               </a14:hiddenFill>
             </a:ext>
             <a:ext uri="{91240B29-F687-4f45-9708-019B960494DF}">
-              <a14:hiddenLine xmlns="" xmlns:a14="http://schemas.microsoft.com/office/drawing/2010/main" w="9525">
+              <a14:hiddenLine xmlns:a14="http://schemas.microsoft.com/office/drawing/2010/main" xmlns="" w="9525">
                 <a:solidFill>
                   <a:srgbClr val="000000"/>
                 </a:solidFill>
@@ -4153,7 +4153,7 @@
               </a14:hiddenLine>
             </a:ext>
             <a:ext uri="{FAA26D3D-D897-4be2-8F04-BA451C77F1D7}">
-              <ma14:placeholderFlag xmlns="" xmlns:ma14="http://schemas.microsoft.com/office/mac/drawingml/2011/main" val="1"/>
+              <ma14:placeholderFlag xmlns:ma14="http://schemas.microsoft.com/office/mac/drawingml/2011/main" xmlns="" val="1"/>
             </a:ext>
           </a:extLst>
         </p:spPr>
@@ -4183,14 +4183,14 @@
           <a:ln/>
           <a:extLst>
             <a:ext uri="{909E8E84-426E-40dd-AFC4-6F175D3DCCD1}">
-              <a14:hiddenFill xmlns="" xmlns:a14="http://schemas.microsoft.com/office/drawing/2010/main">
+              <a14:hiddenFill xmlns:a14="http://schemas.microsoft.com/office/drawing/2010/main" xmlns="">
                 <a:solidFill>
                   <a:srgbClr val="FFFFFF"/>
                 </a:solidFill>
               </a14:hiddenFill>
             </a:ext>
             <a:ext uri="{91240B29-F687-4f45-9708-019B960494DF}">
-              <a14:hiddenLine xmlns="" xmlns:a14="http://schemas.microsoft.com/office/drawing/2010/main" w="9525">
+              <a14:hiddenLine xmlns:a14="http://schemas.microsoft.com/office/drawing/2010/main" xmlns="" w="9525">
                 <a:solidFill>
                   <a:srgbClr val="000000"/>
                 </a:solidFill>
@@ -4343,14 +4343,14 @@
           <a:ln/>
           <a:extLst>
             <a:ext uri="{909E8E84-426E-40dd-AFC4-6F175D3DCCD1}">
-              <a14:hiddenFill xmlns="" xmlns:a14="http://schemas.microsoft.com/office/drawing/2010/main">
+              <a14:hiddenFill xmlns:a14="http://schemas.microsoft.com/office/drawing/2010/main" xmlns="">
                 <a:solidFill>
                   <a:srgbClr val="FFFFFF"/>
                 </a:solidFill>
               </a14:hiddenFill>
             </a:ext>
             <a:ext uri="{91240B29-F687-4f45-9708-019B960494DF}">
-              <a14:hiddenLine xmlns="" xmlns:a14="http://schemas.microsoft.com/office/drawing/2010/main" w="9525">
+              <a14:hiddenLine xmlns:a14="http://schemas.microsoft.com/office/drawing/2010/main" xmlns="" w="9525">
                 <a:solidFill>
                   <a:srgbClr val="000000"/>
                 </a:solidFill>
@@ -4503,14 +4503,14 @@
           <a:ln/>
           <a:extLst>
             <a:ext uri="{909E8E84-426E-40dd-AFC4-6F175D3DCCD1}">
-              <a14:hiddenFill xmlns="" xmlns:a14="http://schemas.microsoft.com/office/drawing/2010/main">
+              <a14:hiddenFill xmlns:a14="http://schemas.microsoft.com/office/drawing/2010/main" xmlns="">
                 <a:solidFill>
                   <a:srgbClr val="FFFFFF"/>
                 </a:solidFill>
               </a14:hiddenFill>
             </a:ext>
             <a:ext uri="{91240B29-F687-4f45-9708-019B960494DF}">
-              <a14:hiddenLine xmlns="" xmlns:a14="http://schemas.microsoft.com/office/drawing/2010/main" w="9525">
+              <a14:hiddenLine xmlns:a14="http://schemas.microsoft.com/office/drawing/2010/main" xmlns="" w="9525">
                 <a:solidFill>
                   <a:srgbClr val="000000"/>
                 </a:solidFill>
@@ -4739,7 +4739,7 @@
           </a:ln>
           <a:extLst>
             <a:ext uri="{FAA26D3D-D897-4be2-8F04-BA451C77F1D7}">
-              <ma14:placeholderFlag xmlns="" xmlns:ma14="http://schemas.microsoft.com/office/mac/drawingml/2011/main" val="1"/>
+              <ma14:placeholderFlag xmlns:ma14="http://schemas.microsoft.com/office/mac/drawingml/2011/main" xmlns="" val="1"/>
             </a:ext>
           </a:extLst>
         </p:spPr>
@@ -4768,7 +4768,7 @@
           </a:ln>
           <a:extLst>
             <a:ext uri="{FAA26D3D-D897-4be2-8F04-BA451C77F1D7}">
-              <ma14:placeholderFlag xmlns="" xmlns:ma14="http://schemas.microsoft.com/office/mac/drawingml/2011/main" val="1"/>
+              <ma14:placeholderFlag xmlns:ma14="http://schemas.microsoft.com/office/mac/drawingml/2011/main" xmlns="" val="1"/>
             </a:ext>
           </a:extLst>
         </p:spPr>
@@ -4877,7 +4877,7 @@
           </a:ln>
           <a:extLst>
             <a:ext uri="{FAA26D3D-D897-4be2-8F04-BA451C77F1D7}">
-              <ma14:placeholderFlag xmlns="" xmlns:ma14="http://schemas.microsoft.com/office/mac/drawingml/2011/main" val="1"/>
+              <ma14:placeholderFlag xmlns:ma14="http://schemas.microsoft.com/office/mac/drawingml/2011/main" xmlns="" val="1"/>
             </a:ext>
           </a:extLst>
         </p:spPr>
@@ -4906,7 +4906,7 @@
           </a:ln>
           <a:extLst>
             <a:ext uri="{FAA26D3D-D897-4be2-8F04-BA451C77F1D7}">
-              <ma14:placeholderFlag xmlns="" xmlns:ma14="http://schemas.microsoft.com/office/mac/drawingml/2011/main" val="1"/>
+              <ma14:placeholderFlag xmlns:ma14="http://schemas.microsoft.com/office/mac/drawingml/2011/main" xmlns="" val="1"/>
             </a:ext>
           </a:extLst>
         </p:spPr>
@@ -5024,14 +5024,14 @@
           <a:ln/>
           <a:extLst>
             <a:ext uri="{909E8E84-426E-40dd-AFC4-6F175D3DCCD1}">
-              <a14:hiddenFill xmlns="" xmlns:a14="http://schemas.microsoft.com/office/drawing/2010/main">
+              <a14:hiddenFill xmlns:a14="http://schemas.microsoft.com/office/drawing/2010/main" xmlns="">
                 <a:solidFill>
                   <a:srgbClr val="FFFFFF"/>
                 </a:solidFill>
               </a14:hiddenFill>
             </a:ext>
             <a:ext uri="{91240B29-F687-4f45-9708-019B960494DF}">
-              <a14:hiddenLine xmlns="" xmlns:a14="http://schemas.microsoft.com/office/drawing/2010/main" w="9525">
+              <a14:hiddenLine xmlns:a14="http://schemas.microsoft.com/office/drawing/2010/main" xmlns="" w="9525">
                 <a:solidFill>
                   <a:srgbClr val="000000"/>
                 </a:solidFill>
@@ -5041,7 +5041,7 @@
               </a14:hiddenLine>
             </a:ext>
             <a:ext uri="{FAA26D3D-D897-4be2-8F04-BA451C77F1D7}">
-              <ma14:placeholderFlag xmlns="" xmlns:ma14="http://schemas.microsoft.com/office/mac/drawingml/2011/main" val="1"/>
+              <ma14:placeholderFlag xmlns:ma14="http://schemas.microsoft.com/office/mac/drawingml/2011/main" xmlns="" val="1"/>
             </a:ext>
           </a:extLst>
         </p:spPr>
@@ -5071,14 +5071,14 @@
           <a:ln/>
           <a:extLst>
             <a:ext uri="{909E8E84-426E-40dd-AFC4-6F175D3DCCD1}">
-              <a14:hiddenFill xmlns="" xmlns:a14="http://schemas.microsoft.com/office/drawing/2010/main">
+              <a14:hiddenFill xmlns:a14="http://schemas.microsoft.com/office/drawing/2010/main" xmlns="">
                 <a:solidFill>
                   <a:srgbClr val="FFFFFF"/>
                 </a:solidFill>
               </a14:hiddenFill>
             </a:ext>
             <a:ext uri="{91240B29-F687-4f45-9708-019B960494DF}">
-              <a14:hiddenLine xmlns="" xmlns:a14="http://schemas.microsoft.com/office/drawing/2010/main" w="9525">
+              <a14:hiddenLine xmlns:a14="http://schemas.microsoft.com/office/drawing/2010/main" xmlns="" w="9525">
                 <a:solidFill>
                   <a:srgbClr val="000000"/>
                 </a:solidFill>
@@ -5231,14 +5231,14 @@
           <a:ln/>
           <a:extLst>
             <a:ext uri="{909E8E84-426E-40dd-AFC4-6F175D3DCCD1}">
-              <a14:hiddenFill xmlns="" xmlns:a14="http://schemas.microsoft.com/office/drawing/2010/main">
+              <a14:hiddenFill xmlns:a14="http://schemas.microsoft.com/office/drawing/2010/main" xmlns="">
                 <a:solidFill>
                   <a:srgbClr val="FFFFFF"/>
                 </a:solidFill>
               </a14:hiddenFill>
             </a:ext>
             <a:ext uri="{91240B29-F687-4f45-9708-019B960494DF}">
-              <a14:hiddenLine xmlns="" xmlns:a14="http://schemas.microsoft.com/office/drawing/2010/main" w="9525">
+              <a14:hiddenLine xmlns:a14="http://schemas.microsoft.com/office/drawing/2010/main" xmlns="" w="9525">
                 <a:solidFill>
                   <a:srgbClr val="000000"/>
                 </a:solidFill>
@@ -5391,14 +5391,14 @@
           <a:ln/>
           <a:extLst>
             <a:ext uri="{909E8E84-426E-40dd-AFC4-6F175D3DCCD1}">
-              <a14:hiddenFill xmlns="" xmlns:a14="http://schemas.microsoft.com/office/drawing/2010/main">
+              <a14:hiddenFill xmlns:a14="http://schemas.microsoft.com/office/drawing/2010/main" xmlns="">
                 <a:solidFill>
                   <a:srgbClr val="FFFFFF"/>
                 </a:solidFill>
               </a14:hiddenFill>
             </a:ext>
             <a:ext uri="{91240B29-F687-4f45-9708-019B960494DF}">
-              <a14:hiddenLine xmlns="" xmlns:a14="http://schemas.microsoft.com/office/drawing/2010/main" w="9525">
+              <a14:hiddenLine xmlns:a14="http://schemas.microsoft.com/office/drawing/2010/main" xmlns="" w="9525">
                 <a:solidFill>
                   <a:srgbClr val="000000"/>
                 </a:solidFill>
@@ -5651,7 +5651,7 @@
           </a:ln>
           <a:extLst>
             <a:ext uri="{909E8E84-426E-40dd-AFC4-6F175D3DCCD1}">
-              <a14:hiddenFill xmlns="" xmlns:a14="http://schemas.microsoft.com/office/drawing/2010/main">
+              <a14:hiddenFill xmlns:a14="http://schemas.microsoft.com/office/drawing/2010/main" xmlns="">
                 <a:solidFill>
                   <a:srgbClr val="FFFFFF"/>
                 </a:solidFill>
@@ -5853,14 +5853,14 @@
           <a:ln/>
           <a:extLst>
             <a:ext uri="{909E8E84-426E-40dd-AFC4-6F175D3DCCD1}">
-              <a14:hiddenFill xmlns="" xmlns:a14="http://schemas.microsoft.com/office/drawing/2010/main">
+              <a14:hiddenFill xmlns:a14="http://schemas.microsoft.com/office/drawing/2010/main" xmlns="">
                 <a:solidFill>
                   <a:srgbClr val="FFFFFF"/>
                 </a:solidFill>
               </a14:hiddenFill>
             </a:ext>
             <a:ext uri="{91240B29-F687-4f45-9708-019B960494DF}">
-              <a14:hiddenLine xmlns="" xmlns:a14="http://schemas.microsoft.com/office/drawing/2010/main" w="9525">
+              <a14:hiddenLine xmlns:a14="http://schemas.microsoft.com/office/drawing/2010/main" xmlns="" w="9525">
                 <a:solidFill>
                   <a:srgbClr val="000000"/>
                 </a:solidFill>
@@ -6013,14 +6013,14 @@
           <a:ln/>
           <a:extLst>
             <a:ext uri="{909E8E84-426E-40dd-AFC4-6F175D3DCCD1}">
-              <a14:hiddenFill xmlns="" xmlns:a14="http://schemas.microsoft.com/office/drawing/2010/main">
+              <a14:hiddenFill xmlns:a14="http://schemas.microsoft.com/office/drawing/2010/main" xmlns="">
                 <a:solidFill>
                   <a:srgbClr val="FFFFFF"/>
                 </a:solidFill>
               </a14:hiddenFill>
             </a:ext>
             <a:ext uri="{91240B29-F687-4f45-9708-019B960494DF}">
-              <a14:hiddenLine xmlns="" xmlns:a14="http://schemas.microsoft.com/office/drawing/2010/main" w="9525">
+              <a14:hiddenLine xmlns:a14="http://schemas.microsoft.com/office/drawing/2010/main" xmlns="" w="9525">
                 <a:solidFill>
                   <a:srgbClr val="000000"/>
                 </a:solidFill>
@@ -6173,14 +6173,14 @@
           <a:ln/>
           <a:extLst>
             <a:ext uri="{909E8E84-426E-40dd-AFC4-6F175D3DCCD1}">
-              <a14:hiddenFill xmlns="" xmlns:a14="http://schemas.microsoft.com/office/drawing/2010/main">
+              <a14:hiddenFill xmlns:a14="http://schemas.microsoft.com/office/drawing/2010/main" xmlns="">
                 <a:solidFill>
                   <a:srgbClr val="FFFFFF"/>
                 </a:solidFill>
               </a14:hiddenFill>
             </a:ext>
             <a:ext uri="{91240B29-F687-4f45-9708-019B960494DF}">
-              <a14:hiddenLine xmlns="" xmlns:a14="http://schemas.microsoft.com/office/drawing/2010/main" w="9525">
+              <a14:hiddenLine xmlns:a14="http://schemas.microsoft.com/office/drawing/2010/main" xmlns="" w="9525">
                 <a:solidFill>
                   <a:srgbClr val="000000"/>
                 </a:solidFill>
@@ -6427,7 +6427,7 @@
           </a:ln>
           <a:extLst>
             <a:ext uri="{FAA26D3D-D897-4be2-8F04-BA451C77F1D7}">
-              <ma14:placeholderFlag xmlns="" xmlns:ma14="http://schemas.microsoft.com/office/mac/drawingml/2011/main" val="1"/>
+              <ma14:placeholderFlag xmlns:ma14="http://schemas.microsoft.com/office/mac/drawingml/2011/main" xmlns="" val="1"/>
             </a:ext>
           </a:extLst>
         </p:spPr>
@@ -6462,14 +6462,14 @@
           <a:ln/>
           <a:extLst>
             <a:ext uri="{909E8E84-426E-40dd-AFC4-6F175D3DCCD1}">
-              <a14:hiddenFill xmlns="" xmlns:a14="http://schemas.microsoft.com/office/drawing/2010/main">
+              <a14:hiddenFill xmlns:a14="http://schemas.microsoft.com/office/drawing/2010/main" xmlns="">
                 <a:solidFill>
                   <a:srgbClr val="FFFFFF"/>
                 </a:solidFill>
               </a14:hiddenFill>
             </a:ext>
             <a:ext uri="{91240B29-F687-4f45-9708-019B960494DF}">
-              <a14:hiddenLine xmlns="" xmlns:a14="http://schemas.microsoft.com/office/drawing/2010/main" w="9525">
+              <a14:hiddenLine xmlns:a14="http://schemas.microsoft.com/office/drawing/2010/main" xmlns="" w="9525">
                 <a:solidFill>
                   <a:srgbClr val="000000"/>
                 </a:solidFill>
@@ -6622,14 +6622,14 @@
           <a:ln/>
           <a:extLst>
             <a:ext uri="{909E8E84-426E-40dd-AFC4-6F175D3DCCD1}">
-              <a14:hiddenFill xmlns="" xmlns:a14="http://schemas.microsoft.com/office/drawing/2010/main">
+              <a14:hiddenFill xmlns:a14="http://schemas.microsoft.com/office/drawing/2010/main" xmlns="">
                 <a:solidFill>
                   <a:srgbClr val="FFFFFF"/>
                 </a:solidFill>
               </a14:hiddenFill>
             </a:ext>
             <a:ext uri="{91240B29-F687-4f45-9708-019B960494DF}">
-              <a14:hiddenLine xmlns="" xmlns:a14="http://schemas.microsoft.com/office/drawing/2010/main" w="9525">
+              <a14:hiddenLine xmlns:a14="http://schemas.microsoft.com/office/drawing/2010/main" xmlns="" w="9525">
                 <a:solidFill>
                   <a:srgbClr val="000000"/>
                 </a:solidFill>
@@ -6782,14 +6782,14 @@
           <a:ln/>
           <a:extLst>
             <a:ext uri="{909E8E84-426E-40dd-AFC4-6F175D3DCCD1}">
-              <a14:hiddenFill xmlns="" xmlns:a14="http://schemas.microsoft.com/office/drawing/2010/main">
+              <a14:hiddenFill xmlns:a14="http://schemas.microsoft.com/office/drawing/2010/main" xmlns="">
                 <a:solidFill>
                   <a:srgbClr val="FFFFFF"/>
                 </a:solidFill>
               </a14:hiddenFill>
             </a:ext>
             <a:ext uri="{91240B29-F687-4f45-9708-019B960494DF}">
-              <a14:hiddenLine xmlns="" xmlns:a14="http://schemas.microsoft.com/office/drawing/2010/main" w="9525">
+              <a14:hiddenLine xmlns:a14="http://schemas.microsoft.com/office/drawing/2010/main" xmlns="" w="9525">
                 <a:solidFill>
                   <a:srgbClr val="000000"/>
                 </a:solidFill>
@@ -7217,14 +7217,14 @@
           <a:ln/>
           <a:extLst>
             <a:ext uri="{909E8E84-426E-40dd-AFC4-6F175D3DCCD1}">
-              <a14:hiddenFill xmlns="" xmlns:a14="http://schemas.microsoft.com/office/drawing/2010/main">
+              <a14:hiddenFill xmlns:a14="http://schemas.microsoft.com/office/drawing/2010/main" xmlns="">
                 <a:solidFill>
                   <a:srgbClr val="FFFFFF"/>
                 </a:solidFill>
               </a14:hiddenFill>
             </a:ext>
             <a:ext uri="{91240B29-F687-4f45-9708-019B960494DF}">
-              <a14:hiddenLine xmlns="" xmlns:a14="http://schemas.microsoft.com/office/drawing/2010/main" w="9525">
+              <a14:hiddenLine xmlns:a14="http://schemas.microsoft.com/office/drawing/2010/main" xmlns="" w="9525">
                 <a:solidFill>
                   <a:srgbClr val="000000"/>
                 </a:solidFill>
@@ -7515,14 +7515,14 @@
           </a:ln>
           <a:extLst>
             <a:ext uri="{909E8E84-426E-40dd-AFC4-6F175D3DCCD1}">
-              <a14:hiddenFill xmlns="" xmlns:a14="http://schemas.microsoft.com/office/drawing/2010/main">
+              <a14:hiddenFill xmlns:a14="http://schemas.microsoft.com/office/drawing/2010/main" xmlns="">
                 <a:solidFill>
                   <a:srgbClr val="FFFFFF"/>
                 </a:solidFill>
               </a14:hiddenFill>
             </a:ext>
             <a:ext uri="{FAA26D3D-D897-4be2-8F04-BA451C77F1D7}">
-              <ma14:placeholderFlag xmlns="" xmlns:ma14="http://schemas.microsoft.com/office/mac/drawingml/2011/main" val="1"/>
+              <ma14:placeholderFlag xmlns:ma14="http://schemas.microsoft.com/office/mac/drawingml/2011/main" xmlns="" val="1"/>
             </a:ext>
           </a:extLst>
         </p:spPr>
@@ -7541,14 +7541,14 @@
           <a:noFill/>
           <a:extLst>
             <a:ext uri="{909E8E84-426E-40dd-AFC4-6F175D3DCCD1}">
-              <a14:hiddenFill xmlns="" xmlns:a14="http://schemas.microsoft.com/office/drawing/2010/main">
+              <a14:hiddenFill xmlns:a14="http://schemas.microsoft.com/office/drawing/2010/main" xmlns="">
                 <a:solidFill>
                   <a:srgbClr val="FFFFFF"/>
                 </a:solidFill>
               </a14:hiddenFill>
             </a:ext>
             <a:ext uri="{91240B29-F687-4f45-9708-019B960494DF}">
-              <a14:hiddenLine xmlns="" xmlns:a14="http://schemas.microsoft.com/office/drawing/2010/main" w="9525">
+              <a14:hiddenLine xmlns:a14="http://schemas.microsoft.com/office/drawing/2010/main" xmlns="" w="9525">
                 <a:solidFill>
                   <a:srgbClr val="000000"/>
                 </a:solidFill>
@@ -7558,7 +7558,7 @@
               </a14:hiddenLine>
             </a:ext>
             <a:ext uri="{FAA26D3D-D897-4be2-8F04-BA451C77F1D7}">
-              <ma14:placeholderFlag xmlns="" xmlns:ma14="http://schemas.microsoft.com/office/mac/drawingml/2011/main" val="1"/>
+              <ma14:placeholderFlag xmlns:ma14="http://schemas.microsoft.com/office/mac/drawingml/2011/main" xmlns="" val="1"/>
             </a:ext>
           </a:extLst>
         </p:spPr>
@@ -7763,7 +7763,7 @@
           <a:p>
             <a:fld id="{B2F5E2FA-C428-4CE7-95B0-168D3259A5BB}" type="datetimeFigureOut">
               <a:rPr lang="en-US" smtClean="0"/>
-              <a:t>10/18/2021</a:t>
+              <a:t>11/28/2021</a:t>
             </a:fld>
             <a:endParaRPr lang="en-US"/>
           </a:p>
@@ -8014,7 +8014,7 @@
           <a:p>
             <a:fld id="{B2F5E2FA-C428-4CE7-95B0-168D3259A5BB}" type="datetimeFigureOut">
               <a:rPr lang="en-US" smtClean="0"/>
-              <a:t>10/18/2021</a:t>
+              <a:t>11/28/2021</a:t>
             </a:fld>
             <a:endParaRPr lang="en-US"/>
           </a:p>
@@ -8194,7 +8194,7 @@
           <a:p>
             <a:fld id="{B2F5E2FA-C428-4CE7-95B0-168D3259A5BB}" type="datetimeFigureOut">
               <a:rPr lang="en-US" smtClean="0"/>
-              <a:t>10/18/2021</a:t>
+              <a:t>11/28/2021</a:t>
             </a:fld>
             <a:endParaRPr lang="en-US"/>
           </a:p>
@@ -8450,7 +8450,7 @@
           <a:p>
             <a:fld id="{B2F5E2FA-C428-4CE7-95B0-168D3259A5BB}" type="datetimeFigureOut">
               <a:rPr lang="en-US" smtClean="0"/>
-              <a:t>10/18/2021</a:t>
+              <a:t>11/28/2021</a:t>
             </a:fld>
             <a:endParaRPr lang="en-US"/>
           </a:p>
@@ -8795,7 +8795,7 @@
           <a:p>
             <a:fld id="{B2F5E2FA-C428-4CE7-95B0-168D3259A5BB}" type="datetimeFigureOut">
               <a:rPr lang="en-US" smtClean="0"/>
-              <a:t>10/18/2021</a:t>
+              <a:t>11/28/2021</a:t>
             </a:fld>
             <a:endParaRPr lang="en-US"/>
           </a:p>
@@ -9027,7 +9027,7 @@
           <a:p>
             <a:fld id="{B2F5E2FA-C428-4CE7-95B0-168D3259A5BB}" type="datetimeFigureOut">
               <a:rPr lang="en-US" smtClean="0"/>
-              <a:t>10/18/2021</a:t>
+              <a:t>11/28/2021</a:t>
             </a:fld>
             <a:endParaRPr lang="en-US"/>
           </a:p>
@@ -9394,7 +9394,7 @@
           <a:p>
             <a:fld id="{B2F5E2FA-C428-4CE7-95B0-168D3259A5BB}" type="datetimeFigureOut">
               <a:rPr lang="en-US" smtClean="0"/>
-              <a:t>10/18/2021</a:t>
+              <a:t>11/28/2021</a:t>
             </a:fld>
             <a:endParaRPr lang="en-US"/>
           </a:p>
@@ -9489,7 +9489,7 @@
           <a:p>
             <a:fld id="{B2F5E2FA-C428-4CE7-95B0-168D3259A5BB}" type="datetimeFigureOut">
               <a:rPr lang="en-US" smtClean="0"/>
-              <a:t>10/18/2021</a:t>
+              <a:t>11/28/2021</a:t>
             </a:fld>
             <a:endParaRPr lang="en-US"/>
           </a:p>
@@ -9712,7 +9712,7 @@
             <a:fld id="{B2F5E2FA-C428-4CE7-95B0-168D3259A5BB}" type="datetimeFigureOut">
               <a:rPr lang="en-US" smtClean="0"/>
               <a:pPr/>
-              <a:t>10/18/2021</a:t>
+              <a:t>11/28/2021</a:t>
             </a:fld>
             <a:endParaRPr lang="en-US"/>
           </a:p>
@@ -9883,7 +9883,7 @@
           <a:p>
             <a:fld id="{B2F5E2FA-C428-4CE7-95B0-168D3259A5BB}" type="datetimeFigureOut">
               <a:rPr lang="en-US" smtClean="0"/>
-              <a:t>10/18/2021</a:t>
+              <a:t>11/28/2021</a:t>
             </a:fld>
             <a:endParaRPr lang="en-US"/>
           </a:p>
@@ -10160,7 +10160,7 @@
           <a:p>
             <a:fld id="{B2F5E2FA-C428-4CE7-95B0-168D3259A5BB}" type="datetimeFigureOut">
               <a:rPr lang="en-US" smtClean="0"/>
-              <a:t>10/18/2021</a:t>
+              <a:t>11/28/2021</a:t>
             </a:fld>
             <a:endParaRPr lang="en-US"/>
           </a:p>
@@ -10413,7 +10413,7 @@
           <a:p>
             <a:fld id="{B2F5E2FA-C428-4CE7-95B0-168D3259A5BB}" type="datetimeFigureOut">
               <a:rPr lang="en-US" smtClean="0"/>
-              <a:t>10/18/2021</a:t>
+              <a:t>11/28/2021</a:t>
             </a:fld>
             <a:endParaRPr lang="en-US"/>
           </a:p>
@@ -10626,7 +10626,7 @@
           <a:p>
             <a:fld id="{B2F5E2FA-C428-4CE7-95B0-168D3259A5BB}" type="datetimeFigureOut">
               <a:rPr lang="en-US" smtClean="0"/>
-              <a:t>10/18/2021</a:t>
+              <a:t>11/28/2021</a:t>
             </a:fld>
             <a:endParaRPr lang="en-US"/>
           </a:p>
@@ -11068,6 +11068,12 @@
         <p:txBody>
           <a:bodyPr/>
           <a:lstStyle/>
+          <a:p>
+            <a:r>
+              <a:rPr lang="en-US"/>
+              <a:t>SE401: Software Quality Assurance and Testing</a:t>
+            </a:r>
+          </a:p>
           <a:p>
             <a:endParaRPr lang="en-US"/>
           </a:p>
@@ -12319,7 +12325,7 @@
           <a:noFill/>
           <a:extLst>
             <a:ext uri="{909E8E84-426E-40dd-AFC4-6F175D3DCCD1}">
-              <a14:hiddenFill xmlns="" xmlns:a14="http://schemas.microsoft.com/office/drawing/2010/main">
+              <a14:hiddenFill xmlns:a14="http://schemas.microsoft.com/office/drawing/2010/main" xmlns="">
                 <a:solidFill>
                   <a:srgbClr val="FFFFFF"/>
                 </a:solidFill>
@@ -19022,71 +19028,24 @@
               <a:rPr lang="en-US" sz="2933" dirty="0"/>
               <a:t>Correctness is an all-or-nothing proposition. </a:t>
             </a:r>
-            <a:endParaRPr lang="en-US" sz="2933" dirty="0"/>
           </a:p>
           <a:p>
             <a:r>
               <a:rPr lang="en-US" sz="2933" dirty="0"/>
-              <a:t>A </a:t>
-            </a:r>
+              <a:t>A program cannot be mostly correct or somewhat correct or 30% correct, it is absolutely correct on all possible behaviors or else it is not correct.</a:t>
+            </a:r>
+          </a:p>
+          <a:p>
             <a:r>
               <a:rPr lang="en-US" sz="2933" dirty="0"/>
-              <a:t>program cannot be mostly </a:t>
-            </a:r>
+              <a:t>It is very easy to achieve correctness, since every program is correct with respect to some (very bad) specification. </a:t>
+            </a:r>
+          </a:p>
+          <a:p>
             <a:r>
               <a:rPr lang="en-US" sz="2933" dirty="0"/>
-              <a:t>correct or </a:t>
-            </a:r>
-            <a:r>
-              <a:rPr lang="en-US" sz="2933" dirty="0"/>
-              <a:t>somewhat correct or 30% correct, it is absolutely correct on all possible </a:t>
-            </a:r>
-            <a:r>
-              <a:rPr lang="en-US" sz="2933" dirty="0"/>
-              <a:t>behaviors or </a:t>
-            </a:r>
-            <a:r>
-              <a:rPr lang="en-US" sz="2933" dirty="0"/>
-              <a:t>else it is not </a:t>
-            </a:r>
-            <a:r>
-              <a:rPr lang="en-US" sz="2933" dirty="0"/>
-              <a:t>correct.</a:t>
-            </a:r>
-          </a:p>
-          <a:p>
-            <a:r>
-              <a:rPr lang="en-US" sz="2933" dirty="0"/>
-              <a:t>It </a:t>
-            </a:r>
-            <a:r>
-              <a:rPr lang="en-US" sz="2933" dirty="0"/>
-              <a:t>is very easy to achieve correctness, since every </a:t>
-            </a:r>
-            <a:r>
-              <a:rPr lang="en-US" sz="2933" dirty="0"/>
-              <a:t>program is </a:t>
-            </a:r>
-            <a:r>
-              <a:rPr lang="en-US" sz="2933" dirty="0"/>
-              <a:t>correct with respect to some (very bad) specification. </a:t>
-            </a:r>
-            <a:endParaRPr lang="en-US" sz="2933" dirty="0"/>
-          </a:p>
-          <a:p>
-            <a:r>
-              <a:rPr lang="en-US" sz="2933" dirty="0"/>
-              <a:t>Correctness is a goal to aim for, but is </a:t>
-            </a:r>
-            <a:r>
-              <a:rPr lang="en-US" sz="2933" dirty="0"/>
-              <a:t>rarely provably </a:t>
-            </a:r>
-            <a:r>
-              <a:rPr lang="en-US" sz="2933" dirty="0"/>
-              <a:t>achieved.</a:t>
-            </a:r>
-            <a:endParaRPr lang="en-US" sz="2933" dirty="0"/>
+              <a:t>Correctness is a goal to aim for, but is rarely provably achieved.</a:t>
+            </a:r>
           </a:p>
         </p:txBody>
       </p:sp>
@@ -19338,7 +19297,6 @@
               <a:rPr lang="en-US" sz="3733" dirty="0"/>
               <a:t>Obviously, robustness is a difficult-to-define quality</a:t>
             </a:r>
-            <a:endParaRPr lang="en-US" sz="3733" dirty="0"/>
           </a:p>
         </p:txBody>
       </p:sp>
@@ -19471,7 +19429,6 @@
               <a:rPr lang="en-US" sz="2667" dirty="0"/>
               <a:t>Decide on an appropriate counter-measure to ensure graceful degradation of services.</a:t>
             </a:r>
-            <a:endParaRPr lang="en-US" sz="2667" dirty="0"/>
           </a:p>
         </p:txBody>
       </p:sp>
@@ -19883,7 +19840,7 @@
           <a:graphicData uri="http://schemas.openxmlformats.org/presentationml/2006/ole">
             <mc:AlternateContent xmlns:mc="http://schemas.openxmlformats.org/markup-compatibility/2006">
               <mc:Choice xmlns:v="urn:schemas-microsoft-com:vml" Requires="v">
-                <p:oleObj spid="_x0000_s1026" name="Visio" r:id="rId4" imgW="3213100" imgH="3924300" progId="Visio.Drawing.6">
+                <p:oleObj spid="_x0000_s1027" name="Visio" r:id="rId4" imgW="3213100" imgH="3924300" progId="Visio.Drawing.6">
                   <p:embed/>
                 </p:oleObj>
               </mc:Choice>
@@ -20453,14 +20410,14 @@
           </a:ln>
           <a:extLst>
             <a:ext uri="{909E8E84-426E-40dd-AFC4-6F175D3DCCD1}">
-              <a14:hiddenFill xmlns="" xmlns:a14="http://schemas.microsoft.com/office/drawing/2010/main">
+              <a14:hiddenFill xmlns:a14="http://schemas.microsoft.com/office/drawing/2010/main" xmlns="">
                 <a:solidFill>
                   <a:srgbClr val="FFFFFF"/>
                 </a:solidFill>
               </a14:hiddenFill>
             </a:ext>
             <a:ext uri="{91240B29-F687-4f45-9708-019B960494DF}">
-              <a14:hiddenLine xmlns="" xmlns:a14="http://schemas.microsoft.com/office/drawing/2010/main" w="9525">
+              <a14:hiddenLine xmlns:a14="http://schemas.microsoft.com/office/drawing/2010/main" xmlns="" w="9525">
                 <a:solidFill>
                   <a:srgbClr val="000000"/>
                 </a:solidFill>
@@ -20617,14 +20574,14 @@
           </a:ln>
           <a:extLst>
             <a:ext uri="{909E8E84-426E-40dd-AFC4-6F175D3DCCD1}">
-              <a14:hiddenFill xmlns="" xmlns:a14="http://schemas.microsoft.com/office/drawing/2010/main">
+              <a14:hiddenFill xmlns:a14="http://schemas.microsoft.com/office/drawing/2010/main" xmlns="">
                 <a:solidFill>
                   <a:srgbClr val="FFFFFF"/>
                 </a:solidFill>
               </a14:hiddenFill>
             </a:ext>
             <a:ext uri="{91240B29-F687-4f45-9708-019B960494DF}">
-              <a14:hiddenLine xmlns="" xmlns:a14="http://schemas.microsoft.com/office/drawing/2010/main" w="9525">
+              <a14:hiddenLine xmlns:a14="http://schemas.microsoft.com/office/drawing/2010/main" xmlns="" w="9525">
                 <a:solidFill>
                   <a:srgbClr val="000000"/>
                 </a:solidFill>
@@ -20781,14 +20738,14 @@
           </a:ln>
           <a:extLst>
             <a:ext uri="{909E8E84-426E-40dd-AFC4-6F175D3DCCD1}">
-              <a14:hiddenFill xmlns="" xmlns:a14="http://schemas.microsoft.com/office/drawing/2010/main">
+              <a14:hiddenFill xmlns:a14="http://schemas.microsoft.com/office/drawing/2010/main" xmlns="">
                 <a:solidFill>
                   <a:srgbClr val="FFFFFF"/>
                 </a:solidFill>
               </a14:hiddenFill>
             </a:ext>
             <a:ext uri="{91240B29-F687-4f45-9708-019B960494DF}">
-              <a14:hiddenLine xmlns="" xmlns:a14="http://schemas.microsoft.com/office/drawing/2010/main" w="9525">
+              <a14:hiddenLine xmlns:a14="http://schemas.microsoft.com/office/drawing/2010/main" xmlns="" w="9525">
                 <a:solidFill>
                   <a:srgbClr val="000000"/>
                 </a:solidFill>
@@ -20957,7 +20914,7 @@
           </a:ln>
           <a:extLst>
             <a:ext uri="{909E8E84-426E-40dd-AFC4-6F175D3DCCD1}">
-              <a14:hiddenFill xmlns="" xmlns:a14="http://schemas.microsoft.com/office/drawing/2010/main">
+              <a14:hiddenFill xmlns:a14="http://schemas.microsoft.com/office/drawing/2010/main" xmlns="">
                 <a:solidFill>
                   <a:srgbClr val="FFFFFF"/>
                 </a:solidFill>
@@ -21018,7 +20975,7 @@
           </a:ln>
           <a:extLst>
             <a:ext uri="{909E8E84-426E-40dd-AFC4-6F175D3DCCD1}">
-              <a14:hiddenFill xmlns="" xmlns:a14="http://schemas.microsoft.com/office/drawing/2010/main">
+              <a14:hiddenFill xmlns:a14="http://schemas.microsoft.com/office/drawing/2010/main" xmlns="">
                 <a:solidFill>
                   <a:srgbClr val="FFFFFF"/>
                 </a:solidFill>
@@ -21079,7 +21036,7 @@
           </a:ln>
           <a:extLst>
             <a:ext uri="{909E8E84-426E-40dd-AFC4-6F175D3DCCD1}">
-              <a14:hiddenFill xmlns="" xmlns:a14="http://schemas.microsoft.com/office/drawing/2010/main">
+              <a14:hiddenFill xmlns:a14="http://schemas.microsoft.com/office/drawing/2010/main" xmlns="">
                 <a:solidFill>
                   <a:srgbClr val="FFFFFF"/>
                 </a:solidFill>
@@ -21186,7 +21143,7 @@
           </a:ln>
           <a:extLst>
             <a:ext uri="{909E8E84-426E-40dd-AFC4-6F175D3DCCD1}">
-              <a14:hiddenFill xmlns="" xmlns:a14="http://schemas.microsoft.com/office/drawing/2010/main">
+              <a14:hiddenFill xmlns:a14="http://schemas.microsoft.com/office/drawing/2010/main" xmlns="">
                 <a:solidFill>
                   <a:srgbClr val="FFFFFF"/>
                 </a:solidFill>
@@ -21235,14 +21192,14 @@
           </a:ln>
           <a:extLst>
             <a:ext uri="{909E8E84-426E-40dd-AFC4-6F175D3DCCD1}">
-              <a14:hiddenFill xmlns="" xmlns:a14="http://schemas.microsoft.com/office/drawing/2010/main">
+              <a14:hiddenFill xmlns:a14="http://schemas.microsoft.com/office/drawing/2010/main" xmlns="">
                 <a:solidFill>
                   <a:srgbClr val="FFFFFF"/>
                 </a:solidFill>
               </a14:hiddenFill>
             </a:ext>
             <a:ext uri="{91240B29-F687-4f45-9708-019B960494DF}">
-              <a14:hiddenLine xmlns="" xmlns:a14="http://schemas.microsoft.com/office/drawing/2010/main" w="9525">
+              <a14:hiddenLine xmlns:a14="http://schemas.microsoft.com/office/drawing/2010/main" xmlns="" w="9525">
                 <a:solidFill>
                   <a:srgbClr val="000000"/>
                 </a:solidFill>
@@ -24106,14 +24063,14 @@
           </a:ln>
           <a:extLst>
             <a:ext uri="{909E8E84-426E-40dd-AFC4-6F175D3DCCD1}">
-              <a14:hiddenFill xmlns="" xmlns:a14="http://schemas.microsoft.com/office/drawing/2010/main">
+              <a14:hiddenFill xmlns:a14="http://schemas.microsoft.com/office/drawing/2010/main" xmlns="">
                 <a:solidFill>
                   <a:srgbClr val="FFFFFF"/>
                 </a:solidFill>
               </a14:hiddenFill>
             </a:ext>
             <a:ext uri="{91240B29-F687-4f45-9708-019B960494DF}">
-              <a14:hiddenLine xmlns="" xmlns:a14="http://schemas.microsoft.com/office/drawing/2010/main" w="12700">
+              <a14:hiddenLine xmlns:a14="http://schemas.microsoft.com/office/drawing/2010/main" xmlns="" w="12700">
                 <a:solidFill>
                   <a:srgbClr val="000000"/>
                 </a:solidFill>
@@ -24927,14 +24884,14 @@
           </a:ln>
           <a:extLst>
             <a:ext uri="{909E8E84-426E-40dd-AFC4-6F175D3DCCD1}">
-              <a14:hiddenFill xmlns="" xmlns:a14="http://schemas.microsoft.com/office/drawing/2010/main">
+              <a14:hiddenFill xmlns:a14="http://schemas.microsoft.com/office/drawing/2010/main" xmlns="">
                 <a:solidFill>
                   <a:srgbClr val="FFFFFF"/>
                 </a:solidFill>
               </a14:hiddenFill>
             </a:ext>
             <a:ext uri="{91240B29-F687-4f45-9708-019B960494DF}">
-              <a14:hiddenLine xmlns="" xmlns:a14="http://schemas.microsoft.com/office/drawing/2010/main" w="9525">
+              <a14:hiddenLine xmlns:a14="http://schemas.microsoft.com/office/drawing/2010/main" xmlns="" w="9525">
                 <a:solidFill>
                   <a:srgbClr val="000000"/>
                 </a:solidFill>
@@ -25129,7 +25086,7 @@
           <a:graphicData uri="http://schemas.openxmlformats.org/presentationml/2006/ole">
             <mc:AlternateContent xmlns:mc="http://schemas.openxmlformats.org/markup-compatibility/2006">
               <mc:Choice xmlns:v="urn:schemas-microsoft-com:vml" Requires="v">
-                <p:oleObj spid="_x0000_s2050" name="Document" r:id="rId3" imgW="5600700" imgH="1473200" progId="Word.Document.12">
+                <p:oleObj spid="_x0000_s2051" name="Document" r:id="rId3" imgW="5600700" imgH="1473200" progId="Word.Document.12">
                   <p:embed/>
                 </p:oleObj>
               </mc:Choice>
@@ -25186,14 +25143,14 @@
           </a:ln>
           <a:extLst>
             <a:ext uri="{909E8E84-426E-40dd-AFC4-6F175D3DCCD1}">
-              <a14:hiddenFill xmlns="" xmlns:a14="http://schemas.microsoft.com/office/drawing/2010/main">
+              <a14:hiddenFill xmlns:a14="http://schemas.microsoft.com/office/drawing/2010/main" xmlns="">
                 <a:solidFill>
                   <a:srgbClr val="FFFFFF"/>
                 </a:solidFill>
               </a14:hiddenFill>
             </a:ext>
             <a:ext uri="{91240B29-F687-4f45-9708-019B960494DF}">
-              <a14:hiddenLine xmlns="" xmlns:a14="http://schemas.microsoft.com/office/drawing/2010/main" w="9525">
+              <a14:hiddenLine xmlns:a14="http://schemas.microsoft.com/office/drawing/2010/main" xmlns="" w="9525">
                 <a:solidFill>
                   <a:srgbClr val="000000"/>
                 </a:solidFill>
@@ -25203,7 +25160,7 @@
               </a14:hiddenLine>
             </a:ext>
             <a:ext uri="{FAA26D3D-D897-4be2-8F04-BA451C77F1D7}">
-              <ma14:placeholderFlag xmlns="" xmlns:ma14="http://schemas.microsoft.com/office/mac/drawingml/2011/main" val="1"/>
+              <ma14:placeholderFlag xmlns:ma14="http://schemas.microsoft.com/office/mac/drawingml/2011/main" xmlns="" val="1"/>
             </a:ext>
           </a:extLst>
         </p:spPr>
@@ -25629,7 +25586,7 @@
           <a:graphicData uri="http://schemas.openxmlformats.org/presentationml/2006/ole">
             <mc:AlternateContent xmlns:mc="http://schemas.openxmlformats.org/markup-compatibility/2006">
               <mc:Choice xmlns:v="urn:schemas-microsoft-com:vml" Requires="v">
-                <p:oleObj spid="_x0000_s3074" name="Document" r:id="rId3" imgW="6134100" imgH="2260600" progId="Word.Document.12">
+                <p:oleObj spid="_x0000_s3075" name="Document" r:id="rId3" imgW="6134100" imgH="2260600" progId="Word.Document.12">
                   <p:embed/>
                 </p:oleObj>
               </mc:Choice>
@@ -26073,7 +26030,7 @@
           <a:noFill/>
           <a:extLst>
             <a:ext uri="{909E8E84-426E-40dd-AFC4-6F175D3DCCD1}">
-              <a14:hiddenFill xmlns="" xmlns:a14="http://schemas.microsoft.com/office/drawing/2010/main">
+              <a14:hiddenFill xmlns:a14="http://schemas.microsoft.com/office/drawing/2010/main" xmlns="">
                 <a:solidFill>
                   <a:srgbClr val="FFFFFF"/>
                 </a:solidFill>
@@ -26218,14 +26175,14 @@
           </a:ln>
           <a:extLst>
             <a:ext uri="{909E8E84-426E-40dd-AFC4-6F175D3DCCD1}">
-              <a14:hiddenFill xmlns="" xmlns:a14="http://schemas.microsoft.com/office/drawing/2010/main">
+              <a14:hiddenFill xmlns:a14="http://schemas.microsoft.com/office/drawing/2010/main" xmlns="">
                 <a:solidFill>
                   <a:srgbClr val="FFFFFF"/>
                 </a:solidFill>
               </a14:hiddenFill>
             </a:ext>
             <a:ext uri="{91240B29-F687-4f45-9708-019B960494DF}">
-              <a14:hiddenLine xmlns="" xmlns:a14="http://schemas.microsoft.com/office/drawing/2010/main" w="9525">
+              <a14:hiddenLine xmlns:a14="http://schemas.microsoft.com/office/drawing/2010/main" xmlns="" w="9525">
                 <a:solidFill>
                   <a:srgbClr val="000000"/>
                 </a:solidFill>
@@ -26281,14 +26238,14 @@
           </a:ln>
           <a:extLst>
             <a:ext uri="{909E8E84-426E-40dd-AFC4-6F175D3DCCD1}">
-              <a14:hiddenFill xmlns="" xmlns:a14="http://schemas.microsoft.com/office/drawing/2010/main">
+              <a14:hiddenFill xmlns:a14="http://schemas.microsoft.com/office/drawing/2010/main" xmlns="">
                 <a:solidFill>
                   <a:srgbClr val="FFFFFF"/>
                 </a:solidFill>
               </a14:hiddenFill>
             </a:ext>
             <a:ext uri="{91240B29-F687-4f45-9708-019B960494DF}">
-              <a14:hiddenLine xmlns="" xmlns:a14="http://schemas.microsoft.com/office/drawing/2010/main" w="9525">
+              <a14:hiddenLine xmlns:a14="http://schemas.microsoft.com/office/drawing/2010/main" xmlns="" w="9525">
                 <a:solidFill>
                   <a:srgbClr val="000000"/>
                 </a:solidFill>
@@ -26322,14 +26279,14 @@
           </a:ln>
           <a:extLst>
             <a:ext uri="{909E8E84-426E-40dd-AFC4-6F175D3DCCD1}">
-              <a14:hiddenFill xmlns="" xmlns:a14="http://schemas.microsoft.com/office/drawing/2010/main">
+              <a14:hiddenFill xmlns:a14="http://schemas.microsoft.com/office/drawing/2010/main" xmlns="">
                 <a:solidFill>
                   <a:srgbClr val="FFFFFF"/>
                 </a:solidFill>
               </a14:hiddenFill>
             </a:ext>
             <a:ext uri="{91240B29-F687-4f45-9708-019B960494DF}">
-              <a14:hiddenLine xmlns="" xmlns:a14="http://schemas.microsoft.com/office/drawing/2010/main" w="9525">
+              <a14:hiddenLine xmlns:a14="http://schemas.microsoft.com/office/drawing/2010/main" xmlns="" w="9525">
                 <a:solidFill>
                   <a:srgbClr val="000000"/>
                 </a:solidFill>
@@ -28260,14 +28217,14 @@
             </a:ln>
             <a:extLst>
               <a:ext uri="{909E8E84-426E-40dd-AFC4-6F175D3DCCD1}">
-                <a14:hiddenFill xmlns="" xmlns:a14="http://schemas.microsoft.com/office/drawing/2010/main">
+                <a14:hiddenFill xmlns:a14="http://schemas.microsoft.com/office/drawing/2010/main" xmlns="">
                   <a:solidFill>
                     <a:srgbClr val="FFFFFF"/>
                   </a:solidFill>
                 </a14:hiddenFill>
               </a:ext>
               <a:ext uri="{91240B29-F687-4f45-9708-019B960494DF}">
-                <a14:hiddenLine xmlns="" xmlns:a14="http://schemas.microsoft.com/office/drawing/2010/main" w="12700">
+                <a14:hiddenLine xmlns:a14="http://schemas.microsoft.com/office/drawing/2010/main" xmlns="" w="12700">
                   <a:solidFill>
                     <a:srgbClr val="000000"/>
                   </a:solidFill>
@@ -28397,7 +28354,7 @@
             </a:ln>
             <a:extLst>
               <a:ext uri="{909E8E84-426E-40dd-AFC4-6F175D3DCCD1}">
-                <a14:hiddenFill xmlns="" xmlns:a14="http://schemas.microsoft.com/office/drawing/2010/main">
+                <a14:hiddenFill xmlns:a14="http://schemas.microsoft.com/office/drawing/2010/main" xmlns="">
                   <a:solidFill>
                     <a:srgbClr val="FFFFFF"/>
                   </a:solidFill>
@@ -28768,14 +28725,14 @@
             </a:ln>
             <a:extLst>
               <a:ext uri="{909E8E84-426E-40dd-AFC4-6F175D3DCCD1}">
-                <a14:hiddenFill xmlns="" xmlns:a14="http://schemas.microsoft.com/office/drawing/2010/main">
+                <a14:hiddenFill xmlns:a14="http://schemas.microsoft.com/office/drawing/2010/main" xmlns="">
                   <a:solidFill>
                     <a:srgbClr val="FFFFFF"/>
                   </a:solidFill>
                 </a14:hiddenFill>
               </a:ext>
               <a:ext uri="{91240B29-F687-4f45-9708-019B960494DF}">
-                <a14:hiddenLine xmlns="" xmlns:a14="http://schemas.microsoft.com/office/drawing/2010/main" w="12700">
+                <a14:hiddenLine xmlns:a14="http://schemas.microsoft.com/office/drawing/2010/main" xmlns="" w="12700">
                   <a:solidFill>
                     <a:srgbClr val="000000"/>
                   </a:solidFill>
@@ -28875,7 +28832,7 @@
           </a:ln>
           <a:extLst>
             <a:ext uri="{909E8E84-426E-40dd-AFC4-6F175D3DCCD1}">
-              <a14:hiddenFill xmlns="" xmlns:a14="http://schemas.microsoft.com/office/drawing/2010/main">
+              <a14:hiddenFill xmlns:a14="http://schemas.microsoft.com/office/drawing/2010/main" xmlns="">
                 <a:solidFill>
                   <a:srgbClr val="FFFFFF"/>
                 </a:solidFill>
@@ -28961,7 +28918,7 @@
           </a:ln>
           <a:extLst>
             <a:ext uri="{909E8E84-426E-40dd-AFC4-6F175D3DCCD1}">
-              <a14:hiddenFill xmlns="" xmlns:a14="http://schemas.microsoft.com/office/drawing/2010/main">
+              <a14:hiddenFill xmlns:a14="http://schemas.microsoft.com/office/drawing/2010/main" xmlns="">
                 <a:solidFill>
                   <a:srgbClr val="FFFFFF"/>
                 </a:solidFill>
@@ -29001,14 +28958,14 @@
           </a:ln>
           <a:extLst>
             <a:ext uri="{909E8E84-426E-40dd-AFC4-6F175D3DCCD1}">
-              <a14:hiddenFill xmlns="" xmlns:a14="http://schemas.microsoft.com/office/drawing/2010/main">
+              <a14:hiddenFill xmlns:a14="http://schemas.microsoft.com/office/drawing/2010/main" xmlns="">
                 <a:solidFill>
                   <a:srgbClr val="FFFFFF"/>
                 </a:solidFill>
               </a14:hiddenFill>
             </a:ext>
             <a:ext uri="{91240B29-F687-4f45-9708-019B960494DF}">
-              <a14:hiddenLine xmlns="" xmlns:a14="http://schemas.microsoft.com/office/drawing/2010/main" w="12700">
+              <a14:hiddenLine xmlns:a14="http://schemas.microsoft.com/office/drawing/2010/main" xmlns="" w="12700">
                 <a:solidFill>
                   <a:srgbClr val="000000"/>
                 </a:solidFill>
@@ -29061,14 +29018,14 @@
           </a:ln>
           <a:extLst>
             <a:ext uri="{909E8E84-426E-40dd-AFC4-6F175D3DCCD1}">
-              <a14:hiddenFill xmlns="" xmlns:a14="http://schemas.microsoft.com/office/drawing/2010/main">
+              <a14:hiddenFill xmlns:a14="http://schemas.microsoft.com/office/drawing/2010/main" xmlns="">
                 <a:solidFill>
                   <a:srgbClr val="FFFFFF"/>
                 </a:solidFill>
               </a14:hiddenFill>
             </a:ext>
             <a:ext uri="{91240B29-F687-4f45-9708-019B960494DF}">
-              <a14:hiddenLine xmlns="" xmlns:a14="http://schemas.microsoft.com/office/drawing/2010/main" w="12700">
+              <a14:hiddenLine xmlns:a14="http://schemas.microsoft.com/office/drawing/2010/main" xmlns="" w="12700">
                 <a:solidFill>
                   <a:srgbClr val="000000"/>
                 </a:solidFill>
@@ -29121,14 +29078,14 @@
           </a:ln>
           <a:extLst>
             <a:ext uri="{909E8E84-426E-40dd-AFC4-6F175D3DCCD1}">
-              <a14:hiddenFill xmlns="" xmlns:a14="http://schemas.microsoft.com/office/drawing/2010/main">
+              <a14:hiddenFill xmlns:a14="http://schemas.microsoft.com/office/drawing/2010/main" xmlns="">
                 <a:solidFill>
                   <a:srgbClr val="FFFFFF"/>
                 </a:solidFill>
               </a14:hiddenFill>
             </a:ext>
             <a:ext uri="{91240B29-F687-4f45-9708-019B960494DF}">
-              <a14:hiddenLine xmlns="" xmlns:a14="http://schemas.microsoft.com/office/drawing/2010/main" w="12700">
+              <a14:hiddenLine xmlns:a14="http://schemas.microsoft.com/office/drawing/2010/main" xmlns="" w="12700">
                 <a:solidFill>
                   <a:srgbClr val="000000"/>
                 </a:solidFill>
@@ -29223,14 +29180,14 @@
           </a:ln>
           <a:extLst>
             <a:ext uri="{909E8E84-426E-40dd-AFC4-6F175D3DCCD1}">
-              <a14:hiddenFill xmlns="" xmlns:a14="http://schemas.microsoft.com/office/drawing/2010/main">
+              <a14:hiddenFill xmlns:a14="http://schemas.microsoft.com/office/drawing/2010/main" xmlns="">
                 <a:solidFill>
                   <a:srgbClr val="FFFFFF"/>
                 </a:solidFill>
               </a14:hiddenFill>
             </a:ext>
             <a:ext uri="{91240B29-F687-4f45-9708-019B960494DF}">
-              <a14:hiddenLine xmlns="" xmlns:a14="http://schemas.microsoft.com/office/drawing/2010/main" w="12700">
+              <a14:hiddenLine xmlns:a14="http://schemas.microsoft.com/office/drawing/2010/main" xmlns="" w="12700">
                 <a:solidFill>
                   <a:srgbClr val="000000"/>
                 </a:solidFill>
@@ -31403,7 +31360,7 @@
           <a:noFill/>
           <a:extLst>
             <a:ext uri="{909E8E84-426E-40dd-AFC4-6F175D3DCCD1}">
-              <a14:hiddenFill xmlns="" xmlns:a14="http://schemas.microsoft.com/office/drawing/2010/main">
+              <a14:hiddenFill xmlns:a14="http://schemas.microsoft.com/office/drawing/2010/main" xmlns="">
                 <a:solidFill>
                   <a:srgbClr val="FFFFFF"/>
                 </a:solidFill>
@@ -31506,7 +31463,7 @@
           <a:graphicData uri="http://schemas.openxmlformats.org/presentationml/2006/ole">
             <mc:AlternateContent xmlns:mc="http://schemas.openxmlformats.org/markup-compatibility/2006">
               <mc:Choice xmlns:v="urn:schemas-microsoft-com:vml" Requires="v">
-                <p:oleObj spid="_x0000_s4098" name="Visio" r:id="rId4" imgW="5016500" imgH="3683000" progId="Visio.Drawing.11">
+                <p:oleObj spid="_x0000_s4099" name="Visio" r:id="rId4" imgW="5016500" imgH="3683000" progId="Visio.Drawing.11">
                   <p:embed/>
                 </p:oleObj>
               </mc:Choice>
